--- a/IDS.pptx
+++ b/IDS.pptx
@@ -18,11 +18,10 @@
     <p:sldId id="267" r:id="rId12"/>
     <p:sldId id="268" r:id="rId13"/>
     <p:sldId id="269" r:id="rId14"/>
-    <p:sldId id="270" r:id="rId15"/>
-    <p:sldId id="271" r:id="rId16"/>
-    <p:sldId id="272" r:id="rId17"/>
-    <p:sldId id="273" r:id="rId18"/>
-    <p:sldId id="274" r:id="rId19"/>
+    <p:sldId id="271" r:id="rId15"/>
+    <p:sldId id="272" r:id="rId16"/>
+    <p:sldId id="273" r:id="rId17"/>
+    <p:sldId id="274" r:id="rId18"/>
   </p:sldIdLst>
   <p:sldSz cx="12192000" cy="6858000"/>
   <p:notesSz cx="6858000" cy="9144000"/>
@@ -139,7 +138,6 @@
             <p14:sldId id="267"/>
             <p14:sldId id="268"/>
             <p14:sldId id="269"/>
-            <p14:sldId id="270"/>
             <p14:sldId id="271"/>
             <p14:sldId id="272"/>
             <p14:sldId id="273"/>
@@ -147,6 +145,9 @@
           </p14:sldIdLst>
         </p14:section>
       </p14:sectionLst>
+    </p:ext>
+    <p:ext uri="{EFAFB233-063F-42B5-8137-9DF3F51BA10A}">
+      <p15:sldGuideLst xmlns:p15="http://schemas.microsoft.com/office/powerpoint/2012/main"/>
     </p:ext>
   </p:extLst>
 </p:presentation>
@@ -301,7 +302,7 @@
           <a:p>
             <a:fld id="{46DE914D-AB26-44B4-A7C0-62D34554CA91}" type="datetimeFigureOut">
               <a:rPr lang="en-IN" smtClean="0"/>
-              <a:t>19-11-2019</a:t>
+              <a:t>21-11-2019</a:t>
             </a:fld>
             <a:endParaRPr lang="en-IN"/>
           </a:p>
@@ -501,7 +502,7 @@
           <a:p>
             <a:fld id="{46DE914D-AB26-44B4-A7C0-62D34554CA91}" type="datetimeFigureOut">
               <a:rPr lang="en-IN" smtClean="0"/>
-              <a:t>19-11-2019</a:t>
+              <a:t>21-11-2019</a:t>
             </a:fld>
             <a:endParaRPr lang="en-IN"/>
           </a:p>
@@ -711,7 +712,7 @@
           <a:p>
             <a:fld id="{46DE914D-AB26-44B4-A7C0-62D34554CA91}" type="datetimeFigureOut">
               <a:rPr lang="en-IN" smtClean="0"/>
-              <a:t>19-11-2019</a:t>
+              <a:t>21-11-2019</a:t>
             </a:fld>
             <a:endParaRPr lang="en-IN"/>
           </a:p>
@@ -911,7 +912,7 @@
           <a:p>
             <a:fld id="{46DE914D-AB26-44B4-A7C0-62D34554CA91}" type="datetimeFigureOut">
               <a:rPr lang="en-IN" smtClean="0"/>
-              <a:t>19-11-2019</a:t>
+              <a:t>21-11-2019</a:t>
             </a:fld>
             <a:endParaRPr lang="en-IN"/>
           </a:p>
@@ -1187,7 +1188,7 @@
           <a:p>
             <a:fld id="{46DE914D-AB26-44B4-A7C0-62D34554CA91}" type="datetimeFigureOut">
               <a:rPr lang="en-IN" smtClean="0"/>
-              <a:t>19-11-2019</a:t>
+              <a:t>21-11-2019</a:t>
             </a:fld>
             <a:endParaRPr lang="en-IN"/>
           </a:p>
@@ -1455,7 +1456,7 @@
           <a:p>
             <a:fld id="{46DE914D-AB26-44B4-A7C0-62D34554CA91}" type="datetimeFigureOut">
               <a:rPr lang="en-IN" smtClean="0"/>
-              <a:t>19-11-2019</a:t>
+              <a:t>21-11-2019</a:t>
             </a:fld>
             <a:endParaRPr lang="en-IN"/>
           </a:p>
@@ -1870,7 +1871,7 @@
           <a:p>
             <a:fld id="{46DE914D-AB26-44B4-A7C0-62D34554CA91}" type="datetimeFigureOut">
               <a:rPr lang="en-IN" smtClean="0"/>
-              <a:t>19-11-2019</a:t>
+              <a:t>21-11-2019</a:t>
             </a:fld>
             <a:endParaRPr lang="en-IN"/>
           </a:p>
@@ -2012,7 +2013,7 @@
           <a:p>
             <a:fld id="{46DE914D-AB26-44B4-A7C0-62D34554CA91}" type="datetimeFigureOut">
               <a:rPr lang="en-IN" smtClean="0"/>
-              <a:t>19-11-2019</a:t>
+              <a:t>21-11-2019</a:t>
             </a:fld>
             <a:endParaRPr lang="en-IN"/>
           </a:p>
@@ -2125,7 +2126,7 @@
           <a:p>
             <a:fld id="{46DE914D-AB26-44B4-A7C0-62D34554CA91}" type="datetimeFigureOut">
               <a:rPr lang="en-IN" smtClean="0"/>
-              <a:t>19-11-2019</a:t>
+              <a:t>21-11-2019</a:t>
             </a:fld>
             <a:endParaRPr lang="en-IN"/>
           </a:p>
@@ -2438,7 +2439,7 @@
           <a:p>
             <a:fld id="{46DE914D-AB26-44B4-A7C0-62D34554CA91}" type="datetimeFigureOut">
               <a:rPr lang="en-IN" smtClean="0"/>
-              <a:t>19-11-2019</a:t>
+              <a:t>21-11-2019</a:t>
             </a:fld>
             <a:endParaRPr lang="en-IN"/>
           </a:p>
@@ -2727,7 +2728,7 @@
           <a:p>
             <a:fld id="{46DE914D-AB26-44B4-A7C0-62D34554CA91}" type="datetimeFigureOut">
               <a:rPr lang="en-IN" smtClean="0"/>
-              <a:t>19-11-2019</a:t>
+              <a:t>21-11-2019</a:t>
             </a:fld>
             <a:endParaRPr lang="en-IN"/>
           </a:p>
@@ -2970,7 +2971,7 @@
           <a:p>
             <a:fld id="{46DE914D-AB26-44B4-A7C0-62D34554CA91}" type="datetimeFigureOut">
               <a:rPr lang="en-IN" smtClean="0"/>
-              <a:t>19-11-2019</a:t>
+              <a:t>21-11-2019</a:t>
             </a:fld>
             <a:endParaRPr lang="en-IN"/>
           </a:p>
@@ -3473,31 +3474,6 @@
       </p:grpSpPr>
       <p:sp>
         <p:nvSpPr>
-          <p:cNvPr id="2" name="Title 1">
-            <a:extLst>
-              <a:ext uri="{FF2B5EF4-FFF2-40B4-BE49-F238E27FC236}">
-                <a16:creationId xmlns:a16="http://schemas.microsoft.com/office/drawing/2014/main" id="{D1CA1DC8-0B6E-42BF-A778-8AB47BB3DF55}"/>
-              </a:ext>
-            </a:extLst>
-          </p:cNvPr>
-          <p:cNvSpPr>
-            <a:spLocks noGrp="1"/>
-          </p:cNvSpPr>
-          <p:nvPr>
-            <p:ph type="title"/>
-          </p:nvPr>
-        </p:nvSpPr>
-        <p:spPr/>
-        <p:txBody>
-          <a:bodyPr/>
-          <a:lstStyle/>
-          <a:p>
-            <a:endParaRPr lang="en-IN"/>
-          </a:p>
-        </p:txBody>
-      </p:sp>
-      <p:sp>
-        <p:nvSpPr>
           <p:cNvPr id="3" name="Content Placeholder 2">
             <a:extLst>
               <a:ext uri="{FF2B5EF4-FFF2-40B4-BE49-F238E27FC236}">
@@ -3514,8 +3490,8 @@
         </p:nvSpPr>
         <p:spPr>
           <a:xfrm>
-            <a:off x="838199" y="1825624"/>
-            <a:ext cx="10966285" cy="4744857"/>
+            <a:off x="838199" y="339366"/>
+            <a:ext cx="10966285" cy="6231116"/>
           </a:xfrm>
         </p:spPr>
         <p:txBody>
@@ -3538,6 +3514,12 @@
               <a:rPr lang="en-US" dirty="0"/>
               <a:t>Can be used to predict the relation between two columns</a:t>
             </a:r>
+          </a:p>
+          <a:p>
+            <a:pPr marL="0" indent="0">
+              <a:buNone/>
+            </a:pPr>
+            <a:endParaRPr lang="en-US" dirty="0"/>
           </a:p>
           <a:p>
             <a:pPr marL="0" indent="0">
@@ -3626,7 +3608,7 @@
         </p:blipFill>
         <p:spPr>
           <a:xfrm>
-            <a:off x="838201" y="3243334"/>
+            <a:off x="663444" y="1801033"/>
             <a:ext cx="3850960" cy="2524988"/>
           </a:xfrm>
           <a:prstGeom prst="rect">
@@ -3662,7 +3644,7 @@
         </p:blipFill>
         <p:spPr>
           <a:xfrm>
-            <a:off x="4671094" y="3243334"/>
+            <a:off x="4514404" y="1819928"/>
             <a:ext cx="3573158" cy="2487198"/>
           </a:xfrm>
           <a:prstGeom prst="rect">
@@ -3698,7 +3680,7 @@
         </p:blipFill>
         <p:spPr>
           <a:xfrm>
-            <a:off x="8190608" y="3167754"/>
+            <a:off x="8002072" y="1801033"/>
             <a:ext cx="3613877" cy="2487198"/>
           </a:xfrm>
           <a:prstGeom prst="rect">
@@ -3738,31 +3720,6 @@
       </p:grpSpPr>
       <p:sp>
         <p:nvSpPr>
-          <p:cNvPr id="2" name="Title 1">
-            <a:extLst>
-              <a:ext uri="{FF2B5EF4-FFF2-40B4-BE49-F238E27FC236}">
-                <a16:creationId xmlns:a16="http://schemas.microsoft.com/office/drawing/2014/main" id="{4324427A-C9D8-4E61-B5D5-842FF0508E7B}"/>
-              </a:ext>
-            </a:extLst>
-          </p:cNvPr>
-          <p:cNvSpPr>
-            <a:spLocks noGrp="1"/>
-          </p:cNvSpPr>
-          <p:nvPr>
-            <p:ph type="title"/>
-          </p:nvPr>
-        </p:nvSpPr>
-        <p:spPr/>
-        <p:txBody>
-          <a:bodyPr/>
-          <a:lstStyle/>
-          <a:p>
-            <a:endParaRPr lang="en-IN"/>
-          </a:p>
-        </p:txBody>
-      </p:sp>
-      <p:sp>
-        <p:nvSpPr>
           <p:cNvPr id="3" name="Content Placeholder 2">
             <a:extLst>
               <a:ext uri="{FF2B5EF4-FFF2-40B4-BE49-F238E27FC236}">
@@ -3777,7 +3734,12 @@
             <p:ph idx="1"/>
           </p:nvPr>
         </p:nvSpPr>
-        <p:spPr/>
+        <p:spPr>
+          <a:xfrm>
+            <a:off x="838200" y="480767"/>
+            <a:ext cx="10515600" cy="5696196"/>
+          </a:xfrm>
+        </p:spPr>
         <p:txBody>
           <a:bodyPr/>
           <a:lstStyle/>
@@ -3792,10 +3754,52 @@
               <a:rPr lang="en-US" dirty="0"/>
               <a:t>Graph between Number of cylinders and city and highway MPG shows a inversely proportional relation. </a:t>
             </a:r>
+          </a:p>
+          <a:p>
+            <a:r>
+              <a:rPr lang="en-US" dirty="0"/>
+              <a:t>The values of the given Pearson coefficient for these columns confirm these conclusions.</a:t>
+            </a:r>
             <a:endParaRPr lang="en-IN" dirty="0"/>
           </a:p>
         </p:txBody>
       </p:sp>
+      <p:pic>
+        <p:nvPicPr>
+          <p:cNvPr id="5" name="Picture 4">
+            <a:extLst>
+              <a:ext uri="{FF2B5EF4-FFF2-40B4-BE49-F238E27FC236}">
+                <a16:creationId xmlns:a16="http://schemas.microsoft.com/office/drawing/2014/main" id="{444922CB-C7FA-40E7-A5D3-949BC943B94D}"/>
+              </a:ext>
+            </a:extLst>
+          </p:cNvPr>
+          <p:cNvPicPr>
+            <a:picLocks noChangeAspect="1"/>
+          </p:cNvPicPr>
+          <p:nvPr/>
+        </p:nvPicPr>
+        <p:blipFill>
+          <a:blip r:embed="rId2">
+            <a:extLst>
+              <a:ext uri="{28A0092B-C50C-407E-A947-70E740481C1C}">
+                <a14:useLocalDpi xmlns:a14="http://schemas.microsoft.com/office/drawing/2010/main" val="0"/>
+              </a:ext>
+            </a:extLst>
+          </a:blip>
+          <a:stretch>
+            <a:fillRect/>
+          </a:stretch>
+        </p:blipFill>
+        <p:spPr>
+          <a:xfrm>
+            <a:off x="1179327" y="3110845"/>
+            <a:ext cx="5758801" cy="3148779"/>
+          </a:xfrm>
+          <a:prstGeom prst="rect">
+            <a:avLst/>
+          </a:prstGeom>
+        </p:spPr>
+      </p:pic>
     </p:spTree>
     <p:extLst>
       <p:ext uri="{BB962C8B-B14F-4D97-AF65-F5344CB8AC3E}">
@@ -3826,31 +3830,6 @@
           <a:chExt cx="0" cy="0"/>
         </a:xfrm>
       </p:grpSpPr>
-      <p:sp>
-        <p:nvSpPr>
-          <p:cNvPr id="2" name="Title 1">
-            <a:extLst>
-              <a:ext uri="{FF2B5EF4-FFF2-40B4-BE49-F238E27FC236}">
-                <a16:creationId xmlns:a16="http://schemas.microsoft.com/office/drawing/2014/main" id="{F0259EA3-787E-4CFE-A830-6A0E3B43D81C}"/>
-              </a:ext>
-            </a:extLst>
-          </p:cNvPr>
-          <p:cNvSpPr>
-            <a:spLocks noGrp="1"/>
-          </p:cNvSpPr>
-          <p:nvPr>
-            <p:ph type="title"/>
-          </p:nvPr>
-        </p:nvSpPr>
-        <p:spPr/>
-        <p:txBody>
-          <a:bodyPr/>
-          <a:lstStyle/>
-          <a:p>
-            <a:endParaRPr lang="en-IN" dirty="0"/>
-          </a:p>
-        </p:txBody>
-      </p:sp>
       <p:sp>
         <p:nvSpPr>
           <p:cNvPr id="3" name="Content Placeholder 2">
@@ -3979,10 +3958,10 @@
       </p:grpSpPr>
       <p:sp>
         <p:nvSpPr>
-          <p:cNvPr id="2" name="Title 1">
-            <a:extLst>
-              <a:ext uri="{FF2B5EF4-FFF2-40B4-BE49-F238E27FC236}">
-                <a16:creationId xmlns:a16="http://schemas.microsoft.com/office/drawing/2014/main" id="{ECD4C11C-726D-4266-ACB3-8A5E2645E66E}"/>
+          <p:cNvPr id="3" name="Title 2">
+            <a:extLst>
+              <a:ext uri="{FF2B5EF4-FFF2-40B4-BE49-F238E27FC236}">
+                <a16:creationId xmlns:a16="http://schemas.microsoft.com/office/drawing/2014/main" id="{F33D7546-F09E-471A-9CD3-41747C9932F8}"/>
               </a:ext>
             </a:extLst>
           </p:cNvPr>
@@ -3993,12 +3972,43 @@
             <p:ph type="title"/>
           </p:nvPr>
         </p:nvSpPr>
-        <p:spPr/>
-        <p:txBody>
-          <a:bodyPr/>
-          <a:lstStyle/>
-          <a:p>
-            <a:endParaRPr lang="en-IN"/>
+        <p:spPr>
+          <a:xfrm>
+            <a:off x="508262" y="5163368"/>
+            <a:ext cx="10515600" cy="1325563"/>
+          </a:xfrm>
+        </p:spPr>
+        <p:txBody>
+          <a:bodyPr>
+            <a:normAutofit fontScale="90000"/>
+          </a:bodyPr>
+          <a:lstStyle/>
+          <a:p>
+            <a:r>
+              <a:rPr lang="en-US" sz="3100" dirty="0">
+                <a:latin typeface="+mn-lt"/>
+              </a:rPr>
+              <a:t>The graphs above show that the make </a:t>
+            </a:r>
+            <a:r>
+              <a:rPr lang="en-US" sz="3100" dirty="0" err="1">
+                <a:latin typeface="+mn-lt"/>
+              </a:rPr>
+              <a:t>Buggati</a:t>
+            </a:r>
+            <a:r>
+              <a:rPr lang="en-US" sz="3100" dirty="0">
+                <a:latin typeface="+mn-lt"/>
+              </a:rPr>
+              <a:t> has the highest average MSRP and the cars with automatic-manual type of  transmission has highest average MSRP</a:t>
+            </a:r>
+            <a:br>
+              <a:rPr lang="en-US" dirty="0"/>
+            </a:br>
+            <a:br>
+              <a:rPr lang="en-US" dirty="0"/>
+            </a:br>
+            <a:endParaRPr lang="en-IN" dirty="0"/>
           </a:p>
         </p:txBody>
       </p:sp>
@@ -4032,7 +4042,7 @@
         </p:blipFill>
         <p:spPr>
           <a:xfrm>
-            <a:off x="1014532" y="2161523"/>
+            <a:off x="1250203" y="615527"/>
             <a:ext cx="8786621" cy="3924640"/>
           </a:xfrm>
         </p:spPr>
@@ -4069,35 +4079,10 @@
       </p:grpSpPr>
       <p:sp>
         <p:nvSpPr>
-          <p:cNvPr id="2" name="Title 1">
-            <a:extLst>
-              <a:ext uri="{FF2B5EF4-FFF2-40B4-BE49-F238E27FC236}">
-                <a16:creationId xmlns:a16="http://schemas.microsoft.com/office/drawing/2014/main" id="{C383F0BA-832F-4DF8-AFB2-C3A872661F3F}"/>
-              </a:ext>
-            </a:extLst>
-          </p:cNvPr>
-          <p:cNvSpPr>
-            <a:spLocks noGrp="1"/>
-          </p:cNvSpPr>
-          <p:nvPr>
-            <p:ph type="title"/>
-          </p:nvPr>
-        </p:nvSpPr>
-        <p:spPr/>
-        <p:txBody>
-          <a:bodyPr/>
-          <a:lstStyle/>
-          <a:p>
-            <a:endParaRPr lang="en-IN"/>
-          </a:p>
-        </p:txBody>
-      </p:sp>
-      <p:sp>
-        <p:nvSpPr>
           <p:cNvPr id="3" name="Content Placeholder 2">
             <a:extLst>
               <a:ext uri="{FF2B5EF4-FFF2-40B4-BE49-F238E27FC236}">
-                <a16:creationId xmlns:a16="http://schemas.microsoft.com/office/drawing/2014/main" id="{FEE1DD77-4151-4BB8-B87F-8F63F6D53DB4}"/>
+                <a16:creationId xmlns:a16="http://schemas.microsoft.com/office/drawing/2014/main" id="{65A8A37F-A013-4A60-AC17-164821CC3CF4}"/>
               </a:ext>
             </a:extLst>
           </p:cNvPr>
@@ -4108,7 +4093,12 @@
             <p:ph idx="1"/>
           </p:nvPr>
         </p:nvSpPr>
-        <p:spPr/>
+        <p:spPr>
+          <a:xfrm>
+            <a:off x="669303" y="537328"/>
+            <a:ext cx="10684497" cy="5639636"/>
+          </a:xfrm>
+        </p:spPr>
         <p:txBody>
           <a:bodyPr/>
           <a:lstStyle/>
@@ -4118,15 +4108,33 @@
             </a:pPr>
             <a:r>
               <a:rPr lang="en-US" dirty="0"/>
-              <a:t>The graphs above show that the make </a:t>
-            </a:r>
-            <a:r>
-              <a:rPr lang="en-US" dirty="0" err="1"/>
-              <a:t>Buggati</a:t>
-            </a:r>
-            <a:r>
-              <a:rPr lang="en-US" dirty="0"/>
-              <a:t> has the highest average MSRP and the cars with automatic-manual type of  transmission has highest average MSRP</a:t>
+              <a:t>4.Pie Charts</a:t>
+            </a:r>
+          </a:p>
+          <a:p>
+            <a:pPr marL="0" indent="0">
+              <a:buNone/>
+            </a:pPr>
+            <a:r>
+              <a:rPr lang="en-IN" dirty="0"/>
+              <a:t>A </a:t>
+            </a:r>
+            <a:r>
+              <a:rPr lang="en-IN" b="1" dirty="0"/>
+              <a:t>pie chart</a:t>
+            </a:r>
+            <a:r>
+              <a:rPr lang="en-IN" dirty="0"/>
+              <a:t> (or a circle chart) is a circular statistical graphic, which is divided into slices to illustrate numerical proportion.</a:t>
+            </a:r>
+          </a:p>
+          <a:p>
+            <a:pPr marL="0" indent="0">
+              <a:buNone/>
+            </a:pPr>
+            <a:r>
+              <a:rPr lang="en-IN" dirty="0"/>
+              <a:t>The below pie charts show the ratio between different vehicle sizes, transmissions, drives</a:t>
             </a:r>
           </a:p>
           <a:p>
@@ -4137,10 +4145,118 @@
           </a:p>
         </p:txBody>
       </p:sp>
+      <p:pic>
+        <p:nvPicPr>
+          <p:cNvPr id="5" name="Picture 4">
+            <a:extLst>
+              <a:ext uri="{FF2B5EF4-FFF2-40B4-BE49-F238E27FC236}">
+                <a16:creationId xmlns:a16="http://schemas.microsoft.com/office/drawing/2014/main" id="{86F7F03C-FBCB-4C04-A2C6-BDCF5F754D10}"/>
+              </a:ext>
+            </a:extLst>
+          </p:cNvPr>
+          <p:cNvPicPr>
+            <a:picLocks noChangeAspect="1"/>
+          </p:cNvPicPr>
+          <p:nvPr/>
+        </p:nvPicPr>
+        <p:blipFill>
+          <a:blip r:embed="rId2">
+            <a:extLst>
+              <a:ext uri="{28A0092B-C50C-407E-A947-70E740481C1C}">
+                <a14:useLocalDpi xmlns:a14="http://schemas.microsoft.com/office/drawing/2010/main" val="0"/>
+              </a:ext>
+            </a:extLst>
+          </a:blip>
+          <a:stretch>
+            <a:fillRect/>
+          </a:stretch>
+        </p:blipFill>
+        <p:spPr>
+          <a:xfrm>
+            <a:off x="1008162" y="3160734"/>
+            <a:ext cx="2928628" cy="2464875"/>
+          </a:xfrm>
+          <a:prstGeom prst="rect">
+            <a:avLst/>
+          </a:prstGeom>
+        </p:spPr>
+      </p:pic>
+      <p:pic>
+        <p:nvPicPr>
+          <p:cNvPr id="7" name="Picture 6">
+            <a:extLst>
+              <a:ext uri="{FF2B5EF4-FFF2-40B4-BE49-F238E27FC236}">
+                <a16:creationId xmlns:a16="http://schemas.microsoft.com/office/drawing/2014/main" id="{193BA921-75AE-451E-85AC-38EAA4E48472}"/>
+              </a:ext>
+            </a:extLst>
+          </p:cNvPr>
+          <p:cNvPicPr>
+            <a:picLocks noChangeAspect="1"/>
+          </p:cNvPicPr>
+          <p:nvPr/>
+        </p:nvPicPr>
+        <p:blipFill>
+          <a:blip r:embed="rId3">
+            <a:extLst>
+              <a:ext uri="{28A0092B-C50C-407E-A947-70E740481C1C}">
+                <a14:useLocalDpi xmlns:a14="http://schemas.microsoft.com/office/drawing/2010/main" val="0"/>
+              </a:ext>
+            </a:extLst>
+          </a:blip>
+          <a:stretch>
+            <a:fillRect/>
+          </a:stretch>
+        </p:blipFill>
+        <p:spPr>
+          <a:xfrm>
+            <a:off x="4106752" y="3179037"/>
+            <a:ext cx="3815851" cy="2428268"/>
+          </a:xfrm>
+          <a:prstGeom prst="rect">
+            <a:avLst/>
+          </a:prstGeom>
+        </p:spPr>
+      </p:pic>
+      <p:pic>
+        <p:nvPicPr>
+          <p:cNvPr id="9" name="Picture 8">
+            <a:extLst>
+              <a:ext uri="{FF2B5EF4-FFF2-40B4-BE49-F238E27FC236}">
+                <a16:creationId xmlns:a16="http://schemas.microsoft.com/office/drawing/2014/main" id="{D7DC9236-F1C5-4AA4-AC20-38FFFA41C1A6}"/>
+              </a:ext>
+            </a:extLst>
+          </p:cNvPr>
+          <p:cNvPicPr>
+            <a:picLocks noChangeAspect="1"/>
+          </p:cNvPicPr>
+          <p:nvPr/>
+        </p:nvPicPr>
+        <p:blipFill>
+          <a:blip r:embed="rId4">
+            <a:extLst>
+              <a:ext uri="{28A0092B-C50C-407E-A947-70E740481C1C}">
+                <a14:useLocalDpi xmlns:a14="http://schemas.microsoft.com/office/drawing/2010/main" val="0"/>
+              </a:ext>
+            </a:extLst>
+          </a:blip>
+          <a:stretch>
+            <a:fillRect/>
+          </a:stretch>
+        </p:blipFill>
+        <p:spPr>
+          <a:xfrm>
+            <a:off x="8092565" y="3133597"/>
+            <a:ext cx="3895379" cy="2473708"/>
+          </a:xfrm>
+          <a:prstGeom prst="rect">
+            <a:avLst/>
+          </a:prstGeom>
+        </p:spPr>
+      </p:pic>
     </p:spTree>
     <p:extLst>
       <p:ext uri="{BB962C8B-B14F-4D97-AF65-F5344CB8AC3E}">
-        <p14:creationId xmlns:p14="http://schemas.microsoft.com/office/powerpoint/2010/main" val="1608464412"/>
+        <p14:creationId xmlns:p14="http://schemas.microsoft.com/office/powerpoint/2010/main" val="750613011"/>
       </p:ext>
     </p:extLst>
   </p:cSld>
@@ -4172,232 +4288,6 @@
           <p:cNvPr id="2" name="Title 1">
             <a:extLst>
               <a:ext uri="{FF2B5EF4-FFF2-40B4-BE49-F238E27FC236}">
-                <a16:creationId xmlns:a16="http://schemas.microsoft.com/office/drawing/2014/main" id="{A7764FEF-9B75-48DE-94F7-76EF9CB2E453}"/>
-              </a:ext>
-            </a:extLst>
-          </p:cNvPr>
-          <p:cNvSpPr>
-            <a:spLocks noGrp="1"/>
-          </p:cNvSpPr>
-          <p:nvPr>
-            <p:ph type="title"/>
-          </p:nvPr>
-        </p:nvSpPr>
-        <p:spPr/>
-        <p:txBody>
-          <a:bodyPr/>
-          <a:lstStyle/>
-          <a:p>
-            <a:endParaRPr lang="en-IN"/>
-          </a:p>
-        </p:txBody>
-      </p:sp>
-      <p:sp>
-        <p:nvSpPr>
-          <p:cNvPr id="3" name="Content Placeholder 2">
-            <a:extLst>
-              <a:ext uri="{FF2B5EF4-FFF2-40B4-BE49-F238E27FC236}">
-                <a16:creationId xmlns:a16="http://schemas.microsoft.com/office/drawing/2014/main" id="{65A8A37F-A013-4A60-AC17-164821CC3CF4}"/>
-              </a:ext>
-            </a:extLst>
-          </p:cNvPr>
-          <p:cNvSpPr>
-            <a:spLocks noGrp="1"/>
-          </p:cNvSpPr>
-          <p:nvPr>
-            <p:ph idx="1"/>
-          </p:nvPr>
-        </p:nvSpPr>
-        <p:spPr/>
-        <p:txBody>
-          <a:bodyPr/>
-          <a:lstStyle/>
-          <a:p>
-            <a:pPr marL="0" indent="0">
-              <a:buNone/>
-            </a:pPr>
-            <a:r>
-              <a:rPr lang="en-US" dirty="0"/>
-              <a:t>4.Pie Charts</a:t>
-            </a:r>
-          </a:p>
-          <a:p>
-            <a:pPr marL="0" indent="0">
-              <a:buNone/>
-            </a:pPr>
-            <a:r>
-              <a:rPr lang="en-IN" dirty="0"/>
-              <a:t>A </a:t>
-            </a:r>
-            <a:r>
-              <a:rPr lang="en-IN" b="1" dirty="0"/>
-              <a:t>pie chart</a:t>
-            </a:r>
-            <a:r>
-              <a:rPr lang="en-IN" dirty="0"/>
-              <a:t> (or a circle chart) is a circular statistical graphic, which is divided into slices to illustrate numerical proportion.</a:t>
-            </a:r>
-          </a:p>
-          <a:p>
-            <a:pPr marL="0" indent="0">
-              <a:buNone/>
-            </a:pPr>
-            <a:r>
-              <a:rPr lang="en-IN" dirty="0"/>
-              <a:t>The below pie charts show the ratio between different vehicle sizes, transmissions, drives</a:t>
-            </a:r>
-          </a:p>
-          <a:p>
-            <a:pPr marL="0" indent="0">
-              <a:buNone/>
-            </a:pPr>
-            <a:endParaRPr lang="en-IN" dirty="0"/>
-          </a:p>
-        </p:txBody>
-      </p:sp>
-      <p:pic>
-        <p:nvPicPr>
-          <p:cNvPr id="5" name="Picture 4">
-            <a:extLst>
-              <a:ext uri="{FF2B5EF4-FFF2-40B4-BE49-F238E27FC236}">
-                <a16:creationId xmlns:a16="http://schemas.microsoft.com/office/drawing/2014/main" id="{86F7F03C-FBCB-4C04-A2C6-BDCF5F754D10}"/>
-              </a:ext>
-            </a:extLst>
-          </p:cNvPr>
-          <p:cNvPicPr>
-            <a:picLocks noChangeAspect="1"/>
-          </p:cNvPicPr>
-          <p:nvPr/>
-        </p:nvPicPr>
-        <p:blipFill>
-          <a:blip r:embed="rId2">
-            <a:extLst>
-              <a:ext uri="{28A0092B-C50C-407E-A947-70E740481C1C}">
-                <a14:useLocalDpi xmlns:a14="http://schemas.microsoft.com/office/drawing/2010/main" val="0"/>
-              </a:ext>
-            </a:extLst>
-          </a:blip>
-          <a:stretch>
-            <a:fillRect/>
-          </a:stretch>
-        </p:blipFill>
-        <p:spPr>
-          <a:xfrm>
-            <a:off x="974069" y="4028000"/>
-            <a:ext cx="2928628" cy="2464875"/>
-          </a:xfrm>
-          <a:prstGeom prst="rect">
-            <a:avLst/>
-          </a:prstGeom>
-        </p:spPr>
-      </p:pic>
-      <p:pic>
-        <p:nvPicPr>
-          <p:cNvPr id="7" name="Picture 6">
-            <a:extLst>
-              <a:ext uri="{FF2B5EF4-FFF2-40B4-BE49-F238E27FC236}">
-                <a16:creationId xmlns:a16="http://schemas.microsoft.com/office/drawing/2014/main" id="{193BA921-75AE-451E-85AC-38EAA4E48472}"/>
-              </a:ext>
-            </a:extLst>
-          </p:cNvPr>
-          <p:cNvPicPr>
-            <a:picLocks noChangeAspect="1"/>
-          </p:cNvPicPr>
-          <p:nvPr/>
-        </p:nvPicPr>
-        <p:blipFill>
-          <a:blip r:embed="rId3">
-            <a:extLst>
-              <a:ext uri="{28A0092B-C50C-407E-A947-70E740481C1C}">
-                <a14:useLocalDpi xmlns:a14="http://schemas.microsoft.com/office/drawing/2010/main" val="0"/>
-              </a:ext>
-            </a:extLst>
-          </a:blip>
-          <a:stretch>
-            <a:fillRect/>
-          </a:stretch>
-        </p:blipFill>
-        <p:spPr>
-          <a:xfrm>
-            <a:off x="4106752" y="4064608"/>
-            <a:ext cx="3815851" cy="2428268"/>
-          </a:xfrm>
-          <a:prstGeom prst="rect">
-            <a:avLst/>
-          </a:prstGeom>
-        </p:spPr>
-      </p:pic>
-      <p:pic>
-        <p:nvPicPr>
-          <p:cNvPr id="9" name="Picture 8">
-            <a:extLst>
-              <a:ext uri="{FF2B5EF4-FFF2-40B4-BE49-F238E27FC236}">
-                <a16:creationId xmlns:a16="http://schemas.microsoft.com/office/drawing/2014/main" id="{D7DC9236-F1C5-4AA4-AC20-38FFFA41C1A6}"/>
-              </a:ext>
-            </a:extLst>
-          </p:cNvPr>
-          <p:cNvPicPr>
-            <a:picLocks noChangeAspect="1"/>
-          </p:cNvPicPr>
-          <p:nvPr/>
-        </p:nvPicPr>
-        <p:blipFill>
-          <a:blip r:embed="rId4">
-            <a:extLst>
-              <a:ext uri="{28A0092B-C50C-407E-A947-70E740481C1C}">
-                <a14:useLocalDpi xmlns:a14="http://schemas.microsoft.com/office/drawing/2010/main" val="0"/>
-              </a:ext>
-            </a:extLst>
-          </a:blip>
-          <a:stretch>
-            <a:fillRect/>
-          </a:stretch>
-        </p:blipFill>
-        <p:spPr>
-          <a:xfrm>
-            <a:off x="7922604" y="4001294"/>
-            <a:ext cx="3895379" cy="2473708"/>
-          </a:xfrm>
-          <a:prstGeom prst="rect">
-            <a:avLst/>
-          </a:prstGeom>
-        </p:spPr>
-      </p:pic>
-    </p:spTree>
-    <p:extLst>
-      <p:ext uri="{BB962C8B-B14F-4D97-AF65-F5344CB8AC3E}">
-        <p14:creationId xmlns:p14="http://schemas.microsoft.com/office/powerpoint/2010/main" val="750613011"/>
-      </p:ext>
-    </p:extLst>
-  </p:cSld>
-  <p:clrMapOvr>
-    <a:masterClrMapping/>
-  </p:clrMapOvr>
-</p:sld>
-</file>
-
-<file path=ppt/slides/slide16.xml><?xml version="1.0" encoding="utf-8"?>
-<p:sld xmlns:a="http://schemas.openxmlformats.org/drawingml/2006/main" xmlns:r="http://schemas.openxmlformats.org/officeDocument/2006/relationships" xmlns:p="http://schemas.openxmlformats.org/presentationml/2006/main">
-  <p:cSld>
-    <p:spTree>
-      <p:nvGrpSpPr>
-        <p:cNvPr id="1" name=""/>
-        <p:cNvGrpSpPr/>
-        <p:nvPr/>
-      </p:nvGrpSpPr>
-      <p:grpSpPr>
-        <a:xfrm>
-          <a:off x="0" y="0"/>
-          <a:ext cx="0" cy="0"/>
-          <a:chOff x="0" y="0"/>
-          <a:chExt cx="0" cy="0"/>
-        </a:xfrm>
-      </p:grpSpPr>
-      <p:sp>
-        <p:nvSpPr>
-          <p:cNvPr id="2" name="Title 1">
-            <a:extLst>
-              <a:ext uri="{FF2B5EF4-FFF2-40B4-BE49-F238E27FC236}">
                 <a16:creationId xmlns:a16="http://schemas.microsoft.com/office/drawing/2014/main" id="{A63E86AB-9FE3-4C69-9F38-221027F0BF5C}"/>
               </a:ext>
             </a:extLst>
@@ -4496,7 +4386,7 @@
             </a:pPr>
             <a:r>
               <a:rPr lang="en-US" dirty="0"/>
-              <a:t>The chi-square value is 0.00048 which is &lt; 0.05 thus we can reject H0</a:t>
+              <a:t>The p value is 0.00048 which is &lt; 0.05 thus we can reject H0</a:t>
             </a:r>
           </a:p>
           <a:p>
@@ -4562,7 +4452,7 @@
 </p:sld>
 </file>
 
-<file path=ppt/slides/slide17.xml><?xml version="1.0" encoding="utf-8"?>
+<file path=ppt/slides/slide16.xml><?xml version="1.0" encoding="utf-8"?>
 <p:sld xmlns:a="http://schemas.openxmlformats.org/drawingml/2006/main" xmlns:r="http://schemas.openxmlformats.org/officeDocument/2006/relationships" xmlns:p="http://schemas.openxmlformats.org/presentationml/2006/main">
   <p:cSld>
     <p:spTree>
@@ -4581,31 +4471,6 @@
       </p:grpSpPr>
       <p:sp>
         <p:nvSpPr>
-          <p:cNvPr id="2" name="Title 1">
-            <a:extLst>
-              <a:ext uri="{FF2B5EF4-FFF2-40B4-BE49-F238E27FC236}">
-                <a16:creationId xmlns:a16="http://schemas.microsoft.com/office/drawing/2014/main" id="{937DB78C-D678-49BD-92FA-D1C000502256}"/>
-              </a:ext>
-            </a:extLst>
-          </p:cNvPr>
-          <p:cNvSpPr>
-            <a:spLocks noGrp="1"/>
-          </p:cNvSpPr>
-          <p:nvPr>
-            <p:ph type="title"/>
-          </p:nvPr>
-        </p:nvSpPr>
-        <p:spPr/>
-        <p:txBody>
-          <a:bodyPr/>
-          <a:lstStyle/>
-          <a:p>
-            <a:endParaRPr lang="en-IN"/>
-          </a:p>
-        </p:txBody>
-      </p:sp>
-      <p:sp>
-        <p:nvSpPr>
           <p:cNvPr id="3" name="Content Placeholder 2">
             <a:extLst>
               <a:ext uri="{FF2B5EF4-FFF2-40B4-BE49-F238E27FC236}">
@@ -4620,7 +4485,12 @@
             <p:ph idx="1"/>
           </p:nvPr>
         </p:nvSpPr>
-        <p:spPr/>
+        <p:spPr>
+          <a:xfrm>
+            <a:off x="838200" y="650449"/>
+            <a:ext cx="10515600" cy="5526514"/>
+          </a:xfrm>
+        </p:spPr>
         <p:txBody>
           <a:bodyPr/>
           <a:lstStyle/>
@@ -4669,7 +4539,7 @@
             </a:pPr>
             <a:r>
               <a:rPr lang="en-US" dirty="0"/>
-              <a:t>The chi-square value is 0.56 which is &gt; 0.5 thus we fail to reject H0</a:t>
+              <a:t>The p value is 0.56 which is &gt; 0.5 thus we fail to reject H0</a:t>
             </a:r>
           </a:p>
           <a:p>
@@ -4714,7 +4584,7 @@
         </p:blipFill>
         <p:spPr>
           <a:xfrm>
-            <a:off x="1001478" y="3854045"/>
+            <a:off x="973197" y="2732256"/>
             <a:ext cx="5494496" cy="563929"/>
           </a:xfrm>
           <a:prstGeom prst="rect">
@@ -4735,7 +4605,7 @@
 </p:sld>
 </file>
 
-<file path=ppt/slides/slide18.xml><?xml version="1.0" encoding="utf-8"?>
+<file path=ppt/slides/slide17.xml><?xml version="1.0" encoding="utf-8"?>
 <p:sld xmlns:a="http://schemas.openxmlformats.org/drawingml/2006/main" xmlns:r="http://schemas.openxmlformats.org/officeDocument/2006/relationships" xmlns:p="http://schemas.openxmlformats.org/presentationml/2006/main">
   <p:cSld>
     <p:spTree>
@@ -4754,31 +4624,6 @@
       </p:grpSpPr>
       <p:sp>
         <p:nvSpPr>
-          <p:cNvPr id="2" name="Title 1">
-            <a:extLst>
-              <a:ext uri="{FF2B5EF4-FFF2-40B4-BE49-F238E27FC236}">
-                <a16:creationId xmlns:a16="http://schemas.microsoft.com/office/drawing/2014/main" id="{7D17C4F1-D849-4E9F-91AF-B4C96F2B34FC}"/>
-              </a:ext>
-            </a:extLst>
-          </p:cNvPr>
-          <p:cNvSpPr>
-            <a:spLocks noGrp="1"/>
-          </p:cNvSpPr>
-          <p:nvPr>
-            <p:ph type="title"/>
-          </p:nvPr>
-        </p:nvSpPr>
-        <p:spPr/>
-        <p:txBody>
-          <a:bodyPr/>
-          <a:lstStyle/>
-          <a:p>
-            <a:endParaRPr lang="en-IN"/>
-          </a:p>
-        </p:txBody>
-      </p:sp>
-      <p:sp>
-        <p:nvSpPr>
           <p:cNvPr id="3" name="Content Placeholder 2">
             <a:extLst>
               <a:ext uri="{FF2B5EF4-FFF2-40B4-BE49-F238E27FC236}">
@@ -4793,7 +4638,12 @@
             <p:ph idx="1"/>
           </p:nvPr>
         </p:nvSpPr>
-        <p:spPr/>
+        <p:spPr>
+          <a:xfrm>
+            <a:off x="838200" y="772998"/>
+            <a:ext cx="10515600" cy="5403965"/>
+          </a:xfrm>
+        </p:spPr>
         <p:txBody>
           <a:bodyPr/>
           <a:lstStyle/>
@@ -4842,7 +4692,7 @@
             </a:pPr>
             <a:r>
               <a:rPr lang="en-US" dirty="0"/>
-              <a:t>The chi-square value is 0.99 which is &gt; 0.5 thus we fail to reject H0</a:t>
+              <a:t>The p value is 0.99 which is &gt; 0.5 thus we fail to reject H0</a:t>
             </a:r>
           </a:p>
           <a:p>
@@ -4887,7 +4737,7 @@
         </p:blipFill>
         <p:spPr>
           <a:xfrm>
-            <a:off x="1008187" y="3473778"/>
+            <a:off x="932773" y="2427403"/>
             <a:ext cx="3840813" cy="739204"/>
           </a:xfrm>
           <a:prstGeom prst="rect">
@@ -5088,56 +4938,24 @@
       </p:grpSpPr>
       <p:sp>
         <p:nvSpPr>
-          <p:cNvPr id="2" name="Title 1">
-            <a:extLst>
-              <a:ext uri="{FF2B5EF4-FFF2-40B4-BE49-F238E27FC236}">
-                <a16:creationId xmlns:a16="http://schemas.microsoft.com/office/drawing/2014/main" id="{A79EC72A-5BF2-46D2-9C87-CD6178987CF2}"/>
-              </a:ext>
-            </a:extLst>
-          </p:cNvPr>
-          <p:cNvSpPr>
-            <a:spLocks noGrp="1"/>
-          </p:cNvSpPr>
-          <p:nvPr>
-            <p:ph type="title"/>
+          <p:cNvPr id="3" name="Content Placeholder 2">
+            <a:extLst>
+              <a:ext uri="{FF2B5EF4-FFF2-40B4-BE49-F238E27FC236}">
+                <a16:creationId xmlns:a16="http://schemas.microsoft.com/office/drawing/2014/main" id="{E3896FD6-B4CA-4F5F-AA1F-78B64D754FAC}"/>
+              </a:ext>
+            </a:extLst>
+          </p:cNvPr>
+          <p:cNvSpPr>
+            <a:spLocks noGrp="1"/>
+          </p:cNvSpPr>
+          <p:nvPr>
+            <p:ph idx="1"/>
           </p:nvPr>
         </p:nvSpPr>
         <p:spPr>
           <a:xfrm>
-            <a:off x="838199" y="2912881"/>
-            <a:ext cx="10681355" cy="1055803"/>
-          </a:xfrm>
-        </p:spPr>
-        <p:txBody>
-          <a:bodyPr>
-            <a:noAutofit/>
-          </a:bodyPr>
-          <a:lstStyle/>
-          <a:p>
-            <a:endParaRPr lang="en-IN" dirty="0"/>
-          </a:p>
-        </p:txBody>
-      </p:sp>
-      <p:sp>
-        <p:nvSpPr>
-          <p:cNvPr id="3" name="Content Placeholder 2">
-            <a:extLst>
-              <a:ext uri="{FF2B5EF4-FFF2-40B4-BE49-F238E27FC236}">
-                <a16:creationId xmlns:a16="http://schemas.microsoft.com/office/drawing/2014/main" id="{E3896FD6-B4CA-4F5F-AA1F-78B64D754FAC}"/>
-              </a:ext>
-            </a:extLst>
-          </p:cNvPr>
-          <p:cNvSpPr>
-            <a:spLocks noGrp="1"/>
-          </p:cNvSpPr>
-          <p:nvPr>
-            <p:ph idx="1"/>
-          </p:nvPr>
-        </p:nvSpPr>
-        <p:spPr>
-          <a:xfrm>
-            <a:off x="838200" y="744718"/>
-            <a:ext cx="10766196" cy="5432245"/>
+            <a:off x="672446" y="724659"/>
+            <a:ext cx="10894243" cy="5346203"/>
           </a:xfrm>
         </p:spPr>
         <p:txBody>
@@ -5460,31 +5278,6 @@
       </p:grpSpPr>
       <p:sp>
         <p:nvSpPr>
-          <p:cNvPr id="2" name="Title 1">
-            <a:extLst>
-              <a:ext uri="{FF2B5EF4-FFF2-40B4-BE49-F238E27FC236}">
-                <a16:creationId xmlns:a16="http://schemas.microsoft.com/office/drawing/2014/main" id="{4F8D6422-7CBC-4871-8207-A0025E7F1BED}"/>
-              </a:ext>
-            </a:extLst>
-          </p:cNvPr>
-          <p:cNvSpPr>
-            <a:spLocks noGrp="1"/>
-          </p:cNvSpPr>
-          <p:nvPr>
-            <p:ph type="title"/>
-          </p:nvPr>
-        </p:nvSpPr>
-        <p:spPr/>
-        <p:txBody>
-          <a:bodyPr/>
-          <a:lstStyle/>
-          <a:p>
-            <a:endParaRPr lang="en-IN"/>
-          </a:p>
-        </p:txBody>
-      </p:sp>
-      <p:sp>
-        <p:nvSpPr>
           <p:cNvPr id="3" name="Content Placeholder 2">
             <a:extLst>
               <a:ext uri="{FF2B5EF4-FFF2-40B4-BE49-F238E27FC236}">
@@ -5499,7 +5292,12 @@
             <p:ph idx="1"/>
           </p:nvPr>
         </p:nvSpPr>
-        <p:spPr/>
+        <p:spPr>
+          <a:xfrm>
+            <a:off x="838200" y="414779"/>
+            <a:ext cx="10515600" cy="5762184"/>
+          </a:xfrm>
+        </p:spPr>
         <p:txBody>
           <a:bodyPr/>
           <a:lstStyle/>
@@ -5531,10 +5329,22 @@
             <a:pPr marL="0" indent="0">
               <a:buNone/>
             </a:pPr>
+            <a:endParaRPr lang="en-US" dirty="0"/>
+          </a:p>
+          <a:p>
+            <a:pPr marL="0" indent="0">
+              <a:buNone/>
+            </a:pPr>
             <a:r>
               <a:rPr lang="en-IN" dirty="0"/>
               <a:t>Before-</a:t>
             </a:r>
+          </a:p>
+          <a:p>
+            <a:pPr marL="0" indent="0">
+              <a:buNone/>
+            </a:pPr>
+            <a:endParaRPr lang="en-IN" dirty="0"/>
           </a:p>
         </p:txBody>
       </p:sp>
@@ -5566,7 +5376,7 @@
         </p:blipFill>
         <p:spPr>
           <a:xfrm>
-            <a:off x="920810" y="4001294"/>
+            <a:off x="911383" y="3429000"/>
             <a:ext cx="7955969" cy="1912786"/>
           </a:xfrm>
           <a:prstGeom prst="rect">

--- a/IDS.pptx
+++ b/IDS.pptx
@@ -302,7 +302,7 @@
           <a:p>
             <a:fld id="{46DE914D-AB26-44B4-A7C0-62D34554CA91}" type="datetimeFigureOut">
               <a:rPr lang="en-IN" smtClean="0"/>
-              <a:t>21-11-2019</a:t>
+              <a:t>22-11-2019</a:t>
             </a:fld>
             <a:endParaRPr lang="en-IN"/>
           </a:p>
@@ -502,7 +502,7 @@
           <a:p>
             <a:fld id="{46DE914D-AB26-44B4-A7C0-62D34554CA91}" type="datetimeFigureOut">
               <a:rPr lang="en-IN" smtClean="0"/>
-              <a:t>21-11-2019</a:t>
+              <a:t>22-11-2019</a:t>
             </a:fld>
             <a:endParaRPr lang="en-IN"/>
           </a:p>
@@ -712,7 +712,7 @@
           <a:p>
             <a:fld id="{46DE914D-AB26-44B4-A7C0-62D34554CA91}" type="datetimeFigureOut">
               <a:rPr lang="en-IN" smtClean="0"/>
-              <a:t>21-11-2019</a:t>
+              <a:t>22-11-2019</a:t>
             </a:fld>
             <a:endParaRPr lang="en-IN"/>
           </a:p>
@@ -912,7 +912,7 @@
           <a:p>
             <a:fld id="{46DE914D-AB26-44B4-A7C0-62D34554CA91}" type="datetimeFigureOut">
               <a:rPr lang="en-IN" smtClean="0"/>
-              <a:t>21-11-2019</a:t>
+              <a:t>22-11-2019</a:t>
             </a:fld>
             <a:endParaRPr lang="en-IN"/>
           </a:p>
@@ -1188,7 +1188,7 @@
           <a:p>
             <a:fld id="{46DE914D-AB26-44B4-A7C0-62D34554CA91}" type="datetimeFigureOut">
               <a:rPr lang="en-IN" smtClean="0"/>
-              <a:t>21-11-2019</a:t>
+              <a:t>22-11-2019</a:t>
             </a:fld>
             <a:endParaRPr lang="en-IN"/>
           </a:p>
@@ -1456,7 +1456,7 @@
           <a:p>
             <a:fld id="{46DE914D-AB26-44B4-A7C0-62D34554CA91}" type="datetimeFigureOut">
               <a:rPr lang="en-IN" smtClean="0"/>
-              <a:t>21-11-2019</a:t>
+              <a:t>22-11-2019</a:t>
             </a:fld>
             <a:endParaRPr lang="en-IN"/>
           </a:p>
@@ -1871,7 +1871,7 @@
           <a:p>
             <a:fld id="{46DE914D-AB26-44B4-A7C0-62D34554CA91}" type="datetimeFigureOut">
               <a:rPr lang="en-IN" smtClean="0"/>
-              <a:t>21-11-2019</a:t>
+              <a:t>22-11-2019</a:t>
             </a:fld>
             <a:endParaRPr lang="en-IN"/>
           </a:p>
@@ -2013,7 +2013,7 @@
           <a:p>
             <a:fld id="{46DE914D-AB26-44B4-A7C0-62D34554CA91}" type="datetimeFigureOut">
               <a:rPr lang="en-IN" smtClean="0"/>
-              <a:t>21-11-2019</a:t>
+              <a:t>22-11-2019</a:t>
             </a:fld>
             <a:endParaRPr lang="en-IN"/>
           </a:p>
@@ -2126,7 +2126,7 @@
           <a:p>
             <a:fld id="{46DE914D-AB26-44B4-A7C0-62D34554CA91}" type="datetimeFigureOut">
               <a:rPr lang="en-IN" smtClean="0"/>
-              <a:t>21-11-2019</a:t>
+              <a:t>22-11-2019</a:t>
             </a:fld>
             <a:endParaRPr lang="en-IN"/>
           </a:p>
@@ -2439,7 +2439,7 @@
           <a:p>
             <a:fld id="{46DE914D-AB26-44B4-A7C0-62D34554CA91}" type="datetimeFigureOut">
               <a:rPr lang="en-IN" smtClean="0"/>
-              <a:t>21-11-2019</a:t>
+              <a:t>22-11-2019</a:t>
             </a:fld>
             <a:endParaRPr lang="en-IN"/>
           </a:p>
@@ -2728,7 +2728,7 @@
           <a:p>
             <a:fld id="{46DE914D-AB26-44B4-A7C0-62D34554CA91}" type="datetimeFigureOut">
               <a:rPr lang="en-IN" smtClean="0"/>
-              <a:t>21-11-2019</a:t>
+              <a:t>22-11-2019</a:t>
             </a:fld>
             <a:endParaRPr lang="en-IN"/>
           </a:p>
@@ -2805,9 +2805,40 @@
 <p:sldMaster xmlns:a="http://schemas.openxmlformats.org/drawingml/2006/main" xmlns:r="http://schemas.openxmlformats.org/officeDocument/2006/relationships" xmlns:p="http://schemas.openxmlformats.org/presentationml/2006/main">
   <p:cSld>
     <p:bg>
-      <p:bgRef idx="1001">
-        <a:schemeClr val="bg1"/>
-      </p:bgRef>
+      <p:bgPr>
+        <a:gradFill flip="none" rotWithShape="1">
+          <a:gsLst>
+            <a:gs pos="0">
+              <a:schemeClr val="accent1">
+                <a:lumMod val="5000"/>
+                <a:lumOff val="95000"/>
+              </a:schemeClr>
+            </a:gs>
+            <a:gs pos="100000">
+              <a:schemeClr val="accent5">
+                <a:lumMod val="40000"/>
+                <a:lumOff val="60000"/>
+                <a:alpha val="63000"/>
+              </a:schemeClr>
+            </a:gs>
+            <a:gs pos="100000">
+              <a:schemeClr val="accent1">
+                <a:lumMod val="45000"/>
+                <a:lumOff val="55000"/>
+              </a:schemeClr>
+            </a:gs>
+            <a:gs pos="100000">
+              <a:schemeClr val="accent1">
+                <a:lumMod val="30000"/>
+                <a:lumOff val="70000"/>
+              </a:schemeClr>
+            </a:gs>
+          </a:gsLst>
+          <a:lin ang="5400000" scaled="1"/>
+          <a:tileRect/>
+        </a:gradFill>
+        <a:effectLst/>
+      </p:bgPr>
     </p:bg>
     <p:spTree>
       <p:nvGrpSpPr>
@@ -2971,7 +3002,7 @@
           <a:p>
             <a:fld id="{46DE914D-AB26-44B4-A7C0-62D34554CA91}" type="datetimeFigureOut">
               <a:rPr lang="en-IN" smtClean="0"/>
-              <a:t>21-11-2019</a:t>
+              <a:t>22-11-2019</a:t>
             </a:fld>
             <a:endParaRPr lang="en-IN"/>
           </a:p>
@@ -3404,7 +3435,9 @@
             <p:ph type="ctrTitle"/>
           </p:nvPr>
         </p:nvSpPr>
-        <p:spPr/>
+        <p:spPr>
+          <a:noFill/>
+        </p:spPr>
         <p:txBody>
           <a:bodyPr/>
           <a:lstStyle/>
@@ -5329,12 +5362,6 @@
             <a:pPr marL="0" indent="0">
               <a:buNone/>
             </a:pPr>
-            <a:endParaRPr lang="en-US" dirty="0"/>
-          </a:p>
-          <a:p>
-            <a:pPr marL="0" indent="0">
-              <a:buNone/>
-            </a:pPr>
             <a:r>
               <a:rPr lang="en-IN" dirty="0"/>
               <a:t>Before-</a:t>
@@ -5350,10 +5377,10 @@
       </p:sp>
       <p:pic>
         <p:nvPicPr>
-          <p:cNvPr id="5" name="Picture 4">
-            <a:extLst>
-              <a:ext uri="{FF2B5EF4-FFF2-40B4-BE49-F238E27FC236}">
-                <a16:creationId xmlns:a16="http://schemas.microsoft.com/office/drawing/2014/main" id="{74A9162D-396D-4AB2-B916-81E129E9057C}"/>
+          <p:cNvPr id="4" name="Picture 3">
+            <a:extLst>
+              <a:ext uri="{FF2B5EF4-FFF2-40B4-BE49-F238E27FC236}">
+                <a16:creationId xmlns:a16="http://schemas.microsoft.com/office/drawing/2014/main" id="{7018E855-F17F-434B-9379-331D08D9D584}"/>
               </a:ext>
             </a:extLst>
           </p:cNvPr>
@@ -5376,8 +5403,8 @@
         </p:blipFill>
         <p:spPr>
           <a:xfrm>
-            <a:off x="911383" y="3429000"/>
-            <a:ext cx="7955969" cy="1912786"/>
+            <a:off x="2451292" y="2061577"/>
+            <a:ext cx="7419712" cy="4115386"/>
           </a:xfrm>
           <a:prstGeom prst="rect">
             <a:avLst/>
@@ -5453,10 +5480,10 @@
       </p:sp>
       <p:pic>
         <p:nvPicPr>
-          <p:cNvPr id="5" name="Content Placeholder 4">
-            <a:extLst>
-              <a:ext uri="{FF2B5EF4-FFF2-40B4-BE49-F238E27FC236}">
-                <a16:creationId xmlns:a16="http://schemas.microsoft.com/office/drawing/2014/main" id="{10844072-FF3D-4BF5-883C-FB10FAF67985}"/>
+          <p:cNvPr id="7" name="Content Placeholder 6">
+            <a:extLst>
+              <a:ext uri="{FF2B5EF4-FFF2-40B4-BE49-F238E27FC236}">
+                <a16:creationId xmlns:a16="http://schemas.microsoft.com/office/drawing/2014/main" id="{DE404B0E-8E2D-4F35-B5B5-5AE5C271713A}"/>
               </a:ext>
             </a:extLst>
           </p:cNvPr>
@@ -5481,8 +5508,8 @@
         </p:blipFill>
         <p:spPr>
           <a:xfrm>
-            <a:off x="838200" y="1690688"/>
-            <a:ext cx="7986452" cy="1867062"/>
+            <a:off x="2277732" y="1825625"/>
+            <a:ext cx="7636535" cy="4351338"/>
           </a:xfrm>
         </p:spPr>
       </p:pic>
@@ -5599,10 +5626,10 @@
       </p:sp>
       <p:pic>
         <p:nvPicPr>
-          <p:cNvPr id="7" name="Picture 6">
-            <a:extLst>
-              <a:ext uri="{FF2B5EF4-FFF2-40B4-BE49-F238E27FC236}">
-                <a16:creationId xmlns:a16="http://schemas.microsoft.com/office/drawing/2014/main" id="{B20EC6B1-5E7A-42FA-A5F4-E52AB2E76F1C}"/>
+          <p:cNvPr id="5" name="Picture 4">
+            <a:extLst>
+              <a:ext uri="{FF2B5EF4-FFF2-40B4-BE49-F238E27FC236}">
+                <a16:creationId xmlns:a16="http://schemas.microsoft.com/office/drawing/2014/main" id="{9E30CE3E-5606-4E46-8C78-20CB1E394DAF}"/>
               </a:ext>
             </a:extLst>
           </p:cNvPr>
@@ -5625,8 +5652,8 @@
         </p:blipFill>
         <p:spPr>
           <a:xfrm>
-            <a:off x="838200" y="3520986"/>
-            <a:ext cx="8199831" cy="1889924"/>
+            <a:off x="2752423" y="2818388"/>
+            <a:ext cx="6201796" cy="3560290"/>
           </a:xfrm>
           <a:prstGeom prst="rect">
             <a:avLst/>
@@ -5735,10 +5762,10 @@
       </p:sp>
       <p:pic>
         <p:nvPicPr>
-          <p:cNvPr id="5" name="Picture 4">
-            <a:extLst>
-              <a:ext uri="{FF2B5EF4-FFF2-40B4-BE49-F238E27FC236}">
-                <a16:creationId xmlns:a16="http://schemas.microsoft.com/office/drawing/2014/main" id="{D7C15D38-4B1B-4887-89B2-7DF3395C6CB0}"/>
+          <p:cNvPr id="6" name="Picture 5">
+            <a:extLst>
+              <a:ext uri="{FF2B5EF4-FFF2-40B4-BE49-F238E27FC236}">
+                <a16:creationId xmlns:a16="http://schemas.microsoft.com/office/drawing/2014/main" id="{A91A24EA-3B72-4D09-9E99-9DF0CA7FF91D}"/>
               </a:ext>
             </a:extLst>
           </p:cNvPr>
@@ -5761,8 +5788,8 @@
         </p:blipFill>
         <p:spPr>
           <a:xfrm>
-            <a:off x="838200" y="3699897"/>
-            <a:ext cx="8169348" cy="1928027"/>
+            <a:off x="3017037" y="3122762"/>
+            <a:ext cx="5884699" cy="3370113"/>
           </a:xfrm>
           <a:prstGeom prst="rect">
             <a:avLst/>
